--- a/main/Project1/Asset/Texture/cretate.pptx
+++ b/main/Project1/Asset/Texture/cretate.pptx
@@ -257,7 +257,7 @@
           <a:p>
             <a:fld id="{7E339211-6E9C-4CA1-A13F-7212D267CC94}" type="datetimeFigureOut">
               <a:rPr kumimoji="1" lang="ja-JP" altLang="en-US" smtClean="0"/>
-              <a:t>2022/1/12</a:t>
+              <a:t>2022/1/21</a:t>
             </a:fld>
             <a:endParaRPr kumimoji="1" lang="ja-JP" altLang="en-US"/>
           </a:p>
@@ -459,7 +459,7 @@
           <a:p>
             <a:fld id="{7E339211-6E9C-4CA1-A13F-7212D267CC94}" type="datetimeFigureOut">
               <a:rPr kumimoji="1" lang="ja-JP" altLang="en-US" smtClean="0"/>
-              <a:t>2022/1/12</a:t>
+              <a:t>2022/1/21</a:t>
             </a:fld>
             <a:endParaRPr kumimoji="1" lang="ja-JP" altLang="en-US"/>
           </a:p>
@@ -671,7 +671,7 @@
           <a:p>
             <a:fld id="{7E339211-6E9C-4CA1-A13F-7212D267CC94}" type="datetimeFigureOut">
               <a:rPr kumimoji="1" lang="ja-JP" altLang="en-US" smtClean="0"/>
-              <a:t>2022/1/12</a:t>
+              <a:t>2022/1/21</a:t>
             </a:fld>
             <a:endParaRPr kumimoji="1" lang="ja-JP" altLang="en-US"/>
           </a:p>
@@ -873,7 +873,7 @@
           <a:p>
             <a:fld id="{7E339211-6E9C-4CA1-A13F-7212D267CC94}" type="datetimeFigureOut">
               <a:rPr kumimoji="1" lang="ja-JP" altLang="en-US" smtClean="0"/>
-              <a:t>2022/1/12</a:t>
+              <a:t>2022/1/21</a:t>
             </a:fld>
             <a:endParaRPr kumimoji="1" lang="ja-JP" altLang="en-US"/>
           </a:p>
@@ -1119,7 +1119,7 @@
           <a:p>
             <a:fld id="{7E339211-6E9C-4CA1-A13F-7212D267CC94}" type="datetimeFigureOut">
               <a:rPr kumimoji="1" lang="ja-JP" altLang="en-US" smtClean="0"/>
-              <a:t>2022/1/12</a:t>
+              <a:t>2022/1/21</a:t>
             </a:fld>
             <a:endParaRPr kumimoji="1" lang="ja-JP" altLang="en-US"/>
           </a:p>
@@ -1415,7 +1415,7 @@
           <a:p>
             <a:fld id="{7E339211-6E9C-4CA1-A13F-7212D267CC94}" type="datetimeFigureOut">
               <a:rPr kumimoji="1" lang="ja-JP" altLang="en-US" smtClean="0"/>
-              <a:t>2022/1/12</a:t>
+              <a:t>2022/1/21</a:t>
             </a:fld>
             <a:endParaRPr kumimoji="1" lang="ja-JP" altLang="en-US"/>
           </a:p>
@@ -1846,7 +1846,7 @@
           <a:p>
             <a:fld id="{7E339211-6E9C-4CA1-A13F-7212D267CC94}" type="datetimeFigureOut">
               <a:rPr kumimoji="1" lang="ja-JP" altLang="en-US" smtClean="0"/>
-              <a:t>2022/1/12</a:t>
+              <a:t>2022/1/21</a:t>
             </a:fld>
             <a:endParaRPr kumimoji="1" lang="ja-JP" altLang="en-US"/>
           </a:p>
@@ -1964,7 +1964,7 @@
           <a:p>
             <a:fld id="{7E339211-6E9C-4CA1-A13F-7212D267CC94}" type="datetimeFigureOut">
               <a:rPr kumimoji="1" lang="ja-JP" altLang="en-US" smtClean="0"/>
-              <a:t>2022/1/12</a:t>
+              <a:t>2022/1/21</a:t>
             </a:fld>
             <a:endParaRPr kumimoji="1" lang="ja-JP" altLang="en-US"/>
           </a:p>
@@ -2059,7 +2059,7 @@
           <a:p>
             <a:fld id="{7E339211-6E9C-4CA1-A13F-7212D267CC94}" type="datetimeFigureOut">
               <a:rPr kumimoji="1" lang="ja-JP" altLang="en-US" smtClean="0"/>
-              <a:t>2022/1/12</a:t>
+              <a:t>2022/1/21</a:t>
             </a:fld>
             <a:endParaRPr kumimoji="1" lang="ja-JP" altLang="en-US"/>
           </a:p>
@@ -2368,7 +2368,7 @@
           <a:p>
             <a:fld id="{7E339211-6E9C-4CA1-A13F-7212D267CC94}" type="datetimeFigureOut">
               <a:rPr kumimoji="1" lang="ja-JP" altLang="en-US" smtClean="0"/>
-              <a:t>2022/1/12</a:t>
+              <a:t>2022/1/21</a:t>
             </a:fld>
             <a:endParaRPr kumimoji="1" lang="ja-JP" altLang="en-US"/>
           </a:p>
@@ -2621,7 +2621,7 @@
           <a:p>
             <a:fld id="{7E339211-6E9C-4CA1-A13F-7212D267CC94}" type="datetimeFigureOut">
               <a:rPr kumimoji="1" lang="ja-JP" altLang="en-US" smtClean="0"/>
-              <a:t>2022/1/12</a:t>
+              <a:t>2022/1/21</a:t>
             </a:fld>
             <a:endParaRPr kumimoji="1" lang="ja-JP" altLang="en-US"/>
           </a:p>
@@ -2866,7 +2866,7 @@
           <a:p>
             <a:fld id="{7E339211-6E9C-4CA1-A13F-7212D267CC94}" type="datetimeFigureOut">
               <a:rPr kumimoji="1" lang="ja-JP" altLang="en-US" smtClean="0"/>
-              <a:t>2022/1/12</a:t>
+              <a:t>2022/1/21</a:t>
             </a:fld>
             <a:endParaRPr kumimoji="1" lang="ja-JP" altLang="en-US"/>
           </a:p>
@@ -4273,8 +4273,8 @@
         </p:nvSpPr>
         <p:spPr>
           <a:xfrm>
-            <a:off x="4944533" y="2201333"/>
-            <a:ext cx="3911600" cy="461665"/>
+            <a:off x="4944533" y="2159769"/>
+            <a:ext cx="3146522" cy="461665"/>
           </a:xfrm>
           <a:prstGeom prst="rect">
             <a:avLst/>
@@ -4300,7 +4300,7 @@
                 <a:latin typeface="PixelMplus12" panose="020B0509020203020207" pitchFamily="49" charset="-128"/>
                 <a:ea typeface="PixelMplus12" panose="020B0509020203020207" pitchFamily="49" charset="-128"/>
               </a:rPr>
-              <a:t>1 2 3 4 5 6 7 8 9 0</a:t>
+              <a:t>0 1 2 3 4 5 6 7 8 9 </a:t>
             </a:r>
             <a:endParaRPr kumimoji="1" lang="ja-JP" altLang="en-US" sz="2000" dirty="0">
               <a:solidFill>
@@ -4314,6 +4314,76 @@
               <a:latin typeface="PixelMplus12" panose="020B0509020203020207" pitchFamily="49" charset="-128"/>
               <a:ea typeface="PixelMplus12" panose="020B0509020203020207" pitchFamily="49" charset="-128"/>
             </a:endParaRPr>
+          </a:p>
+        </p:txBody>
+      </p:sp>
+      <p:sp>
+        <p:nvSpPr>
+          <p:cNvPr id="7" name="テキスト ボックス 6"/>
+          <p:cNvSpPr txBox="1"/>
+          <p:nvPr/>
+        </p:nvSpPr>
+        <p:spPr>
+          <a:xfrm>
+            <a:off x="5096932" y="3434387"/>
+            <a:ext cx="3146522" cy="523220"/>
+          </a:xfrm>
+          <a:prstGeom prst="rect">
+            <a:avLst/>
+          </a:prstGeom>
+          <a:noFill/>
+        </p:spPr>
+        <p:txBody>
+          <a:bodyPr wrap="square" rtlCol="0">
+            <a:spAutoFit/>
+          </a:bodyPr>
+          <a:lstStyle/>
+          <a:p>
+            <a:r>
+              <a:rPr kumimoji="1" lang="en-US" altLang="ja-JP" sz="2800" dirty="0" smtClean="0">
+                <a:solidFill>
+                  <a:schemeClr val="bg1"/>
+                </a:solidFill>
+                <a:effectLst>
+                  <a:glow rad="127000">
+                    <a:schemeClr val="tx1"/>
+                  </a:glow>
+                </a:effectLst>
+                <a:latin typeface="PixelMplus12" panose="020B0509020203020207" pitchFamily="49" charset="-128"/>
+                <a:ea typeface="PixelMplus12" panose="020B0509020203020207" pitchFamily="49" charset="-128"/>
+              </a:rPr>
+              <a:t>Stage</a:t>
+            </a:r>
+            <a:r>
+              <a:rPr lang="ja-JP" altLang="en-US" sz="2800" dirty="0">
+                <a:solidFill>
+                  <a:schemeClr val="bg1"/>
+                </a:solidFill>
+                <a:effectLst>
+                  <a:glow rad="127000">
+                    <a:schemeClr val="tx1"/>
+                  </a:glow>
+                </a:effectLst>
+                <a:latin typeface="PixelMplus12" panose="020B0509020203020207" pitchFamily="49" charset="-128"/>
+                <a:ea typeface="PixelMplus12" panose="020B0509020203020207" pitchFamily="49" charset="-128"/>
+              </a:rPr>
+              <a:t> </a:t>
+            </a:r>
+            <a:r>
+              <a:rPr lang="en-US" altLang="ja-JP" sz="2800" dirty="0" smtClean="0">
+                <a:solidFill>
+                  <a:schemeClr val="bg1"/>
+                </a:solidFill>
+                <a:effectLst>
+                  <a:glow rad="127000">
+                    <a:schemeClr val="tx1"/>
+                  </a:glow>
+                </a:effectLst>
+                <a:latin typeface="PixelMplus12" panose="020B0509020203020207" pitchFamily="49" charset="-128"/>
+                <a:ea typeface="PixelMplus12" panose="020B0509020203020207" pitchFamily="49" charset="-128"/>
+              </a:rPr>
+              <a:t>1 </a:t>
+            </a:r>
           </a:p>
         </p:txBody>
       </p:sp>

--- a/main/Project1/Asset/Texture/cretate.pptx
+++ b/main/Project1/Asset/Texture/cretate.pptx
@@ -8,6 +8,10 @@
     <p:sldId id="256" r:id="rId2"/>
     <p:sldId id="259" r:id="rId3"/>
     <p:sldId id="258" r:id="rId4"/>
+    <p:sldId id="262" r:id="rId5"/>
+    <p:sldId id="264" r:id="rId6"/>
+    <p:sldId id="261" r:id="rId7"/>
+    <p:sldId id="260" r:id="rId8"/>
   </p:sldIdLst>
   <p:sldSz cx="12192000" cy="6858000"/>
   <p:notesSz cx="6858000" cy="9144000"/>
@@ -257,7 +261,7 @@
           <a:p>
             <a:fld id="{7E339211-6E9C-4CA1-A13F-7212D267CC94}" type="datetimeFigureOut">
               <a:rPr kumimoji="1" lang="ja-JP" altLang="en-US" smtClean="0"/>
-              <a:t>2022/1/21</a:t>
+              <a:t>2022/2/22</a:t>
             </a:fld>
             <a:endParaRPr kumimoji="1" lang="ja-JP" altLang="en-US"/>
           </a:p>
@@ -459,7 +463,7 @@
           <a:p>
             <a:fld id="{7E339211-6E9C-4CA1-A13F-7212D267CC94}" type="datetimeFigureOut">
               <a:rPr kumimoji="1" lang="ja-JP" altLang="en-US" smtClean="0"/>
-              <a:t>2022/1/21</a:t>
+              <a:t>2022/2/22</a:t>
             </a:fld>
             <a:endParaRPr kumimoji="1" lang="ja-JP" altLang="en-US"/>
           </a:p>
@@ -671,7 +675,7 @@
           <a:p>
             <a:fld id="{7E339211-6E9C-4CA1-A13F-7212D267CC94}" type="datetimeFigureOut">
               <a:rPr kumimoji="1" lang="ja-JP" altLang="en-US" smtClean="0"/>
-              <a:t>2022/1/21</a:t>
+              <a:t>2022/2/22</a:t>
             </a:fld>
             <a:endParaRPr kumimoji="1" lang="ja-JP" altLang="en-US"/>
           </a:p>
@@ -873,7 +877,7 @@
           <a:p>
             <a:fld id="{7E339211-6E9C-4CA1-A13F-7212D267CC94}" type="datetimeFigureOut">
               <a:rPr kumimoji="1" lang="ja-JP" altLang="en-US" smtClean="0"/>
-              <a:t>2022/1/21</a:t>
+              <a:t>2022/2/22</a:t>
             </a:fld>
             <a:endParaRPr kumimoji="1" lang="ja-JP" altLang="en-US"/>
           </a:p>
@@ -1119,7 +1123,7 @@
           <a:p>
             <a:fld id="{7E339211-6E9C-4CA1-A13F-7212D267CC94}" type="datetimeFigureOut">
               <a:rPr kumimoji="1" lang="ja-JP" altLang="en-US" smtClean="0"/>
-              <a:t>2022/1/21</a:t>
+              <a:t>2022/2/22</a:t>
             </a:fld>
             <a:endParaRPr kumimoji="1" lang="ja-JP" altLang="en-US"/>
           </a:p>
@@ -1415,7 +1419,7 @@
           <a:p>
             <a:fld id="{7E339211-6E9C-4CA1-A13F-7212D267CC94}" type="datetimeFigureOut">
               <a:rPr kumimoji="1" lang="ja-JP" altLang="en-US" smtClean="0"/>
-              <a:t>2022/1/21</a:t>
+              <a:t>2022/2/22</a:t>
             </a:fld>
             <a:endParaRPr kumimoji="1" lang="ja-JP" altLang="en-US"/>
           </a:p>
@@ -1846,7 +1850,7 @@
           <a:p>
             <a:fld id="{7E339211-6E9C-4CA1-A13F-7212D267CC94}" type="datetimeFigureOut">
               <a:rPr kumimoji="1" lang="ja-JP" altLang="en-US" smtClean="0"/>
-              <a:t>2022/1/21</a:t>
+              <a:t>2022/2/22</a:t>
             </a:fld>
             <a:endParaRPr kumimoji="1" lang="ja-JP" altLang="en-US"/>
           </a:p>
@@ -1964,7 +1968,7 @@
           <a:p>
             <a:fld id="{7E339211-6E9C-4CA1-A13F-7212D267CC94}" type="datetimeFigureOut">
               <a:rPr kumimoji="1" lang="ja-JP" altLang="en-US" smtClean="0"/>
-              <a:t>2022/1/21</a:t>
+              <a:t>2022/2/22</a:t>
             </a:fld>
             <a:endParaRPr kumimoji="1" lang="ja-JP" altLang="en-US"/>
           </a:p>
@@ -2059,7 +2063,7 @@
           <a:p>
             <a:fld id="{7E339211-6E9C-4CA1-A13F-7212D267CC94}" type="datetimeFigureOut">
               <a:rPr kumimoji="1" lang="ja-JP" altLang="en-US" smtClean="0"/>
-              <a:t>2022/1/21</a:t>
+              <a:t>2022/2/22</a:t>
             </a:fld>
             <a:endParaRPr kumimoji="1" lang="ja-JP" altLang="en-US"/>
           </a:p>
@@ -2368,7 +2372,7 @@
           <a:p>
             <a:fld id="{7E339211-6E9C-4CA1-A13F-7212D267CC94}" type="datetimeFigureOut">
               <a:rPr kumimoji="1" lang="ja-JP" altLang="en-US" smtClean="0"/>
-              <a:t>2022/1/21</a:t>
+              <a:t>2022/2/22</a:t>
             </a:fld>
             <a:endParaRPr kumimoji="1" lang="ja-JP" altLang="en-US"/>
           </a:p>
@@ -2621,7 +2625,7 @@
           <a:p>
             <a:fld id="{7E339211-6E9C-4CA1-A13F-7212D267CC94}" type="datetimeFigureOut">
               <a:rPr kumimoji="1" lang="ja-JP" altLang="en-US" smtClean="0"/>
-              <a:t>2022/1/21</a:t>
+              <a:t>2022/2/22</a:t>
             </a:fld>
             <a:endParaRPr kumimoji="1" lang="ja-JP" altLang="en-US"/>
           </a:p>
@@ -2866,7 +2870,7 @@
           <a:p>
             <a:fld id="{7E339211-6E9C-4CA1-A13F-7212D267CC94}" type="datetimeFigureOut">
               <a:rPr kumimoji="1" lang="ja-JP" altLang="en-US" smtClean="0"/>
-              <a:t>2022/1/21</a:t>
+              <a:t>2022/2/22</a:t>
             </a:fld>
             <a:endParaRPr kumimoji="1" lang="ja-JP" altLang="en-US"/>
           </a:p>
@@ -4166,7 +4170,7 @@
                 <a:latin typeface="PixelMplus12" panose="020B0509020203020207" pitchFamily="49" charset="-128"/>
                 <a:ea typeface="PixelMplus12" panose="020B0509020203020207" pitchFamily="49" charset="-128"/>
               </a:rPr>
-              <a:t>Score</a:t>
+              <a:t>Tutorial</a:t>
             </a:r>
             <a:endParaRPr kumimoji="1" lang="ja-JP" altLang="en-US" sz="2400" dirty="0">
               <a:solidFill>
@@ -4265,6 +4269,1144 @@
           </a:p>
         </p:txBody>
       </p:sp>
+      <p:pic>
+        <p:nvPicPr>
+          <p:cNvPr id="2" name="図 1"/>
+          <p:cNvPicPr>
+            <a:picLocks noChangeAspect="1"/>
+          </p:cNvPicPr>
+          <p:nvPr/>
+        </p:nvPicPr>
+        <p:blipFill>
+          <a:blip r:embed="rId2" cstate="print">
+            <a:extLst>
+              <a:ext uri="{28A0092B-C50C-407E-A947-70E740481C1C}">
+                <a14:useLocalDpi xmlns:a14="http://schemas.microsoft.com/office/drawing/2010/main" val="0"/>
+              </a:ext>
+            </a:extLst>
+          </a:blip>
+          <a:stretch>
+            <a:fillRect/>
+          </a:stretch>
+        </p:blipFill>
+        <p:spPr>
+          <a:xfrm>
+            <a:off x="4144578" y="524933"/>
+            <a:ext cx="7393809" cy="4159017"/>
+          </a:xfrm>
+          <a:prstGeom prst="rect">
+            <a:avLst/>
+          </a:prstGeom>
+        </p:spPr>
+      </p:pic>
+      <p:sp>
+        <p:nvSpPr>
+          <p:cNvPr id="3" name="テキスト ボックス 2"/>
+          <p:cNvSpPr txBox="1"/>
+          <p:nvPr/>
+        </p:nvSpPr>
+        <p:spPr>
+          <a:xfrm>
+            <a:off x="438908" y="1896198"/>
+            <a:ext cx="3220050" cy="1477328"/>
+          </a:xfrm>
+          <a:prstGeom prst="rect">
+            <a:avLst/>
+          </a:prstGeom>
+          <a:solidFill>
+            <a:schemeClr val="bg1"/>
+          </a:solidFill>
+        </p:spPr>
+        <p:txBody>
+          <a:bodyPr wrap="square" rtlCol="0">
+            <a:spAutoFit/>
+          </a:bodyPr>
+          <a:lstStyle/>
+          <a:p>
+            <a:endParaRPr lang="en-US" altLang="ja-JP" dirty="0" smtClean="0"/>
+          </a:p>
+          <a:p>
+            <a:r>
+              <a:rPr lang="ja-JP" altLang="en-US" dirty="0" smtClean="0"/>
+              <a:t>基本操作は右枠にあります。</a:t>
+            </a:r>
+            <a:endParaRPr lang="en-US" altLang="ja-JP" dirty="0" smtClean="0"/>
+          </a:p>
+          <a:p>
+            <a:endParaRPr lang="en-US" altLang="ja-JP" dirty="0"/>
+          </a:p>
+          <a:p>
+            <a:r>
+              <a:rPr lang="en-US" altLang="ja-JP" dirty="0" smtClean="0"/>
+              <a:t>(Change</a:t>
+            </a:r>
+            <a:r>
+              <a:rPr lang="ja-JP" altLang="en-US" dirty="0" smtClean="0"/>
+              <a:t>はスペースバーです</a:t>
+            </a:r>
+            <a:r>
+              <a:rPr lang="en-US" altLang="ja-JP" dirty="0" smtClean="0"/>
+              <a:t>)</a:t>
+            </a:r>
+          </a:p>
+          <a:p>
+            <a:endParaRPr lang="en-US" altLang="ja-JP" dirty="0" smtClean="0"/>
+          </a:p>
+        </p:txBody>
+      </p:sp>
+      <p:sp>
+        <p:nvSpPr>
+          <p:cNvPr id="8" name="楕円 7"/>
+          <p:cNvSpPr/>
+          <p:nvPr/>
+        </p:nvSpPr>
+        <p:spPr>
+          <a:xfrm>
+            <a:off x="8640565" y="2732926"/>
+            <a:ext cx="3092523" cy="2219218"/>
+          </a:xfrm>
+          <a:prstGeom prst="ellipse">
+            <a:avLst/>
+          </a:prstGeom>
+          <a:noFill/>
+          <a:ln w="38100" cap="flat" cmpd="sng" algn="ctr">
+            <a:solidFill>
+              <a:schemeClr val="accent4"/>
+            </a:solidFill>
+            <a:prstDash val="solid"/>
+            <a:round/>
+            <a:headEnd type="none" w="med" len="med"/>
+            <a:tailEnd type="none" w="med" len="med"/>
+          </a:ln>
+        </p:spPr>
+        <p:style>
+          <a:lnRef idx="0">
+            <a:scrgbClr r="0" g="0" b="0"/>
+          </a:lnRef>
+          <a:fillRef idx="0">
+            <a:scrgbClr r="0" g="0" b="0"/>
+          </a:fillRef>
+          <a:effectRef idx="0">
+            <a:scrgbClr r="0" g="0" b="0"/>
+          </a:effectRef>
+          <a:fontRef idx="minor">
+            <a:schemeClr val="accent4"/>
+          </a:fontRef>
+        </p:style>
+        <p:txBody>
+          <a:bodyPr rtlCol="0" anchor="ctr"/>
+          <a:lstStyle/>
+          <a:p>
+            <a:pPr algn="ctr"/>
+            <a:endParaRPr kumimoji="1" lang="ja-JP" altLang="en-US"/>
+          </a:p>
+        </p:txBody>
+      </p:sp>
+      <p:cxnSp>
+        <p:nvCxnSpPr>
+          <p:cNvPr id="10" name="直線コネクタ 9"/>
+          <p:cNvCxnSpPr>
+            <a:endCxn id="3" idx="3"/>
+          </p:cNvCxnSpPr>
+          <p:nvPr/>
+        </p:nvCxnSpPr>
+        <p:spPr>
+          <a:xfrm flipH="1" flipV="1">
+            <a:off x="3658958" y="2634862"/>
+            <a:ext cx="5012432" cy="1207677"/>
+          </a:xfrm>
+          <a:prstGeom prst="line">
+            <a:avLst/>
+          </a:prstGeom>
+          <a:ln w="38100">
+            <a:solidFill>
+              <a:schemeClr val="accent4"/>
+            </a:solidFill>
+          </a:ln>
+        </p:spPr>
+        <p:style>
+          <a:lnRef idx="1">
+            <a:schemeClr val="accent1"/>
+          </a:lnRef>
+          <a:fillRef idx="0">
+            <a:schemeClr val="accent1"/>
+          </a:fillRef>
+          <a:effectRef idx="0">
+            <a:schemeClr val="accent1"/>
+          </a:effectRef>
+          <a:fontRef idx="minor">
+            <a:schemeClr val="tx1"/>
+          </a:fontRef>
+        </p:style>
+      </p:cxnSp>
+    </p:spTree>
+    <p:extLst>
+      <p:ext uri="{BB962C8B-B14F-4D97-AF65-F5344CB8AC3E}">
+        <p14:creationId xmlns:p14="http://schemas.microsoft.com/office/powerpoint/2010/main" val="2383653392"/>
+      </p:ext>
+    </p:extLst>
+  </p:cSld>
+  <p:clrMapOvr>
+    <a:masterClrMapping/>
+  </p:clrMapOvr>
+  <p:timing>
+    <p:tnLst>
+      <p:par>
+        <p:cTn id="1" dur="indefinite" restart="never" nodeType="tmRoot"/>
+      </p:par>
+    </p:tnLst>
+  </p:timing>
+</p:sld>
+</file>
+
+<file path=ppt/slides/slide4.xml><?xml version="1.0" encoding="utf-8"?>
+<p:sld xmlns:a="http://schemas.openxmlformats.org/drawingml/2006/main" xmlns:r="http://schemas.openxmlformats.org/officeDocument/2006/relationships" xmlns:p="http://schemas.openxmlformats.org/presentationml/2006/main">
+  <p:cSld>
+    <p:bg>
+      <p:bgPr>
+        <a:gradFill flip="none" rotWithShape="1">
+          <a:gsLst>
+            <a:gs pos="0">
+              <a:schemeClr val="bg1"/>
+            </a:gs>
+            <a:gs pos="98000">
+              <a:schemeClr val="tx1"/>
+            </a:gs>
+          </a:gsLst>
+          <a:path path="circle">
+            <a:fillToRect l="50000" t="130000" r="50000" b="-30000"/>
+          </a:path>
+          <a:tileRect/>
+        </a:gradFill>
+        <a:effectLst/>
+      </p:bgPr>
+    </p:bg>
+    <p:spTree>
+      <p:nvGrpSpPr>
+        <p:cNvPr id="1" name=""/>
+        <p:cNvGrpSpPr/>
+        <p:nvPr/>
+      </p:nvGrpSpPr>
+      <p:grpSpPr>
+        <a:xfrm>
+          <a:off x="0" y="0"/>
+          <a:ext cx="0" cy="0"/>
+          <a:chOff x="0" y="0"/>
+          <a:chExt cx="0" cy="0"/>
+        </a:xfrm>
+      </p:grpSpPr>
+      <p:sp>
+        <p:nvSpPr>
+          <p:cNvPr id="5" name="テキスト ボックス 4"/>
+          <p:cNvSpPr txBox="1"/>
+          <p:nvPr/>
+        </p:nvSpPr>
+        <p:spPr>
+          <a:xfrm>
+            <a:off x="778933" y="524933"/>
+            <a:ext cx="2540000" cy="461665"/>
+          </a:xfrm>
+          <a:prstGeom prst="rect">
+            <a:avLst/>
+          </a:prstGeom>
+          <a:noFill/>
+        </p:spPr>
+        <p:txBody>
+          <a:bodyPr wrap="square" rtlCol="0">
+            <a:spAutoFit/>
+          </a:bodyPr>
+          <a:lstStyle/>
+          <a:p>
+            <a:r>
+              <a:rPr kumimoji="1" lang="en-US" altLang="ja-JP" sz="2400" dirty="0" smtClean="0">
+                <a:solidFill>
+                  <a:schemeClr val="bg1"/>
+                </a:solidFill>
+                <a:effectLst>
+                  <a:glow rad="127000">
+                    <a:schemeClr val="tx1"/>
+                  </a:glow>
+                </a:effectLst>
+                <a:latin typeface="PixelMplus12" panose="020B0509020203020207" pitchFamily="49" charset="-128"/>
+                <a:ea typeface="PixelMplus12" panose="020B0509020203020207" pitchFamily="49" charset="-128"/>
+              </a:rPr>
+              <a:t>Tutorial</a:t>
+            </a:r>
+            <a:endParaRPr kumimoji="1" lang="ja-JP" altLang="en-US" sz="2400" dirty="0">
+              <a:solidFill>
+                <a:schemeClr val="bg1"/>
+              </a:solidFill>
+              <a:effectLst>
+                <a:glow rad="127000">
+                  <a:schemeClr val="tx1"/>
+                </a:glow>
+              </a:effectLst>
+              <a:latin typeface="PixelMplus12" panose="020B0509020203020207" pitchFamily="49" charset="-128"/>
+              <a:ea typeface="PixelMplus12" panose="020B0509020203020207" pitchFamily="49" charset="-128"/>
+            </a:endParaRPr>
+          </a:p>
+        </p:txBody>
+      </p:sp>
+      <p:sp>
+        <p:nvSpPr>
+          <p:cNvPr id="6" name="テキスト ボックス 5"/>
+          <p:cNvSpPr txBox="1"/>
+          <p:nvPr/>
+        </p:nvSpPr>
+        <p:spPr>
+          <a:xfrm>
+            <a:off x="10007600" y="6214533"/>
+            <a:ext cx="2184400" cy="461665"/>
+          </a:xfrm>
+          <a:prstGeom prst="rect">
+            <a:avLst/>
+          </a:prstGeom>
+          <a:noFill/>
+        </p:spPr>
+        <p:txBody>
+          <a:bodyPr wrap="square" rtlCol="0">
+            <a:spAutoFit/>
+          </a:bodyPr>
+          <a:lstStyle/>
+          <a:p>
+            <a:r>
+              <a:rPr kumimoji="1" lang="en-US" altLang="ja-JP" sz="2400" dirty="0" smtClean="0">
+                <a:solidFill>
+                  <a:schemeClr val="bg1"/>
+                </a:solidFill>
+                <a:effectLst>
+                  <a:glow rad="127000">
+                    <a:schemeClr val="tx1"/>
+                  </a:glow>
+                </a:effectLst>
+                <a:latin typeface="PixelMplus12" panose="020B0509020203020207" pitchFamily="49" charset="-128"/>
+                <a:ea typeface="PixelMplus12" panose="020B0509020203020207" pitchFamily="49" charset="-128"/>
+              </a:rPr>
+              <a:t>Enter</a:t>
+            </a:r>
+            <a:r>
+              <a:rPr lang="ja-JP" altLang="en-US" sz="2400" dirty="0">
+                <a:solidFill>
+                  <a:schemeClr val="bg1"/>
+                </a:solidFill>
+                <a:effectLst>
+                  <a:glow rad="127000">
+                    <a:schemeClr val="tx1"/>
+                  </a:glow>
+                </a:effectLst>
+                <a:latin typeface="PixelMplus12" panose="020B0509020203020207" pitchFamily="49" charset="-128"/>
+                <a:ea typeface="PixelMplus12" panose="020B0509020203020207" pitchFamily="49" charset="-128"/>
+              </a:rPr>
+              <a:t> </a:t>
+            </a:r>
+            <a:r>
+              <a:rPr kumimoji="1" lang="ja-JP" altLang="en-US" sz="2400" dirty="0" smtClean="0">
+                <a:solidFill>
+                  <a:schemeClr val="bg1"/>
+                </a:solidFill>
+                <a:effectLst>
+                  <a:glow rad="127000">
+                    <a:schemeClr val="tx1"/>
+                  </a:glow>
+                </a:effectLst>
+                <a:latin typeface="PixelMplus12" panose="020B0509020203020207" pitchFamily="49" charset="-128"/>
+                <a:ea typeface="PixelMplus12" panose="020B0509020203020207" pitchFamily="49" charset="-128"/>
+              </a:rPr>
+              <a:t>→</a:t>
+            </a:r>
+            <a:endParaRPr kumimoji="1" lang="ja-JP" altLang="en-US" sz="2400" dirty="0">
+              <a:solidFill>
+                <a:schemeClr val="bg1"/>
+              </a:solidFill>
+              <a:effectLst>
+                <a:glow rad="127000">
+                  <a:schemeClr val="tx1"/>
+                </a:glow>
+              </a:effectLst>
+              <a:latin typeface="PixelMplus12" panose="020B0509020203020207" pitchFamily="49" charset="-128"/>
+              <a:ea typeface="PixelMplus12" panose="020B0509020203020207" pitchFamily="49" charset="-128"/>
+            </a:endParaRPr>
+          </a:p>
+        </p:txBody>
+      </p:sp>
+      <p:pic>
+        <p:nvPicPr>
+          <p:cNvPr id="2" name="図 1"/>
+          <p:cNvPicPr>
+            <a:picLocks noChangeAspect="1"/>
+          </p:cNvPicPr>
+          <p:nvPr/>
+        </p:nvPicPr>
+        <p:blipFill>
+          <a:blip r:embed="rId2" cstate="print">
+            <a:extLst>
+              <a:ext uri="{28A0092B-C50C-407E-A947-70E740481C1C}">
+                <a14:useLocalDpi xmlns:a14="http://schemas.microsoft.com/office/drawing/2010/main" val="0"/>
+              </a:ext>
+            </a:extLst>
+          </a:blip>
+          <a:stretch>
+            <a:fillRect/>
+          </a:stretch>
+        </p:blipFill>
+        <p:spPr>
+          <a:xfrm>
+            <a:off x="4144578" y="524933"/>
+            <a:ext cx="7393809" cy="4159017"/>
+          </a:xfrm>
+          <a:prstGeom prst="rect">
+            <a:avLst/>
+          </a:prstGeom>
+        </p:spPr>
+      </p:pic>
+      <p:sp>
+        <p:nvSpPr>
+          <p:cNvPr id="3" name="テキスト ボックス 2"/>
+          <p:cNvSpPr txBox="1"/>
+          <p:nvPr/>
+        </p:nvSpPr>
+        <p:spPr>
+          <a:xfrm>
+            <a:off x="438908" y="1896198"/>
+            <a:ext cx="3220050" cy="3139321"/>
+          </a:xfrm>
+          <a:prstGeom prst="rect">
+            <a:avLst/>
+          </a:prstGeom>
+          <a:solidFill>
+            <a:schemeClr val="bg1"/>
+          </a:solidFill>
+        </p:spPr>
+        <p:txBody>
+          <a:bodyPr wrap="square" rtlCol="0">
+            <a:spAutoFit/>
+          </a:bodyPr>
+          <a:lstStyle/>
+          <a:p>
+            <a:endParaRPr lang="en-US" altLang="ja-JP" dirty="0" smtClean="0"/>
+          </a:p>
+          <a:p>
+            <a:r>
+              <a:rPr lang="en-US" altLang="ja-JP" dirty="0" smtClean="0"/>
+              <a:t>Score</a:t>
+            </a:r>
+            <a:r>
+              <a:rPr lang="ja-JP" altLang="en-US" dirty="0" smtClean="0"/>
+              <a:t>：現在のスコアです。</a:t>
+            </a:r>
+            <a:endParaRPr lang="en-US" altLang="ja-JP" dirty="0" smtClean="0"/>
+          </a:p>
+          <a:p>
+            <a:endParaRPr lang="en-US" altLang="ja-JP" dirty="0"/>
+          </a:p>
+          <a:p>
+            <a:r>
+              <a:rPr lang="en-US" altLang="ja-JP" dirty="0" smtClean="0"/>
+              <a:t>Player</a:t>
+            </a:r>
+            <a:r>
+              <a:rPr lang="ja-JP" altLang="en-US" dirty="0" smtClean="0"/>
+              <a:t>：残機数です。</a:t>
+            </a:r>
+            <a:endParaRPr lang="en-US" altLang="ja-JP" dirty="0" smtClean="0"/>
+          </a:p>
+          <a:p>
+            <a:r>
+              <a:rPr lang="ja-JP" altLang="en-US" dirty="0" smtClean="0"/>
+              <a:t>０になって被弾するとゲームオーバーです。</a:t>
+            </a:r>
+            <a:endParaRPr lang="en-US" altLang="ja-JP" dirty="0" smtClean="0"/>
+          </a:p>
+          <a:p>
+            <a:endParaRPr lang="en-US" altLang="ja-JP" dirty="0"/>
+          </a:p>
+          <a:p>
+            <a:r>
+              <a:rPr lang="en-US" altLang="ja-JP" dirty="0" smtClean="0"/>
+              <a:t>Special</a:t>
+            </a:r>
+            <a:r>
+              <a:rPr lang="ja-JP" altLang="en-US" dirty="0" smtClean="0"/>
+              <a:t>：スペシャル数です。</a:t>
+            </a:r>
+            <a:endParaRPr lang="en-US" altLang="ja-JP" dirty="0" smtClean="0"/>
+          </a:p>
+          <a:p>
+            <a:r>
+              <a:rPr lang="ja-JP" altLang="en-US" dirty="0" smtClean="0"/>
+              <a:t>スペシャルは使用すると全ての敵、弾を消去します。</a:t>
+            </a:r>
+            <a:endParaRPr lang="en-US" altLang="ja-JP" dirty="0" smtClean="0"/>
+          </a:p>
+          <a:p>
+            <a:endParaRPr lang="en-US" altLang="ja-JP" dirty="0"/>
+          </a:p>
+        </p:txBody>
+      </p:sp>
+      <p:sp>
+        <p:nvSpPr>
+          <p:cNvPr id="8" name="楕円 7"/>
+          <p:cNvSpPr/>
+          <p:nvPr/>
+        </p:nvSpPr>
+        <p:spPr>
+          <a:xfrm>
+            <a:off x="8371573" y="524933"/>
+            <a:ext cx="3466630" cy="2552400"/>
+          </a:xfrm>
+          <a:prstGeom prst="ellipse">
+            <a:avLst/>
+          </a:prstGeom>
+          <a:noFill/>
+          <a:ln w="38100" cap="flat" cmpd="sng" algn="ctr">
+            <a:solidFill>
+              <a:schemeClr val="accent4"/>
+            </a:solidFill>
+            <a:prstDash val="solid"/>
+            <a:round/>
+            <a:headEnd type="none" w="med" len="med"/>
+            <a:tailEnd type="none" w="med" len="med"/>
+          </a:ln>
+        </p:spPr>
+        <p:style>
+          <a:lnRef idx="0">
+            <a:scrgbClr r="0" g="0" b="0"/>
+          </a:lnRef>
+          <a:fillRef idx="0">
+            <a:scrgbClr r="0" g="0" b="0"/>
+          </a:fillRef>
+          <a:effectRef idx="0">
+            <a:scrgbClr r="0" g="0" b="0"/>
+          </a:effectRef>
+          <a:fontRef idx="minor">
+            <a:schemeClr val="accent4"/>
+          </a:fontRef>
+        </p:style>
+        <p:txBody>
+          <a:bodyPr rtlCol="0" anchor="ctr"/>
+          <a:lstStyle/>
+          <a:p>
+            <a:pPr algn="ctr"/>
+            <a:endParaRPr kumimoji="1" lang="ja-JP" altLang="en-US"/>
+          </a:p>
+        </p:txBody>
+      </p:sp>
+      <p:cxnSp>
+        <p:nvCxnSpPr>
+          <p:cNvPr id="10" name="直線コネクタ 9"/>
+          <p:cNvCxnSpPr>
+            <a:stCxn id="8" idx="2"/>
+            <a:endCxn id="3" idx="3"/>
+          </p:cNvCxnSpPr>
+          <p:nvPr/>
+        </p:nvCxnSpPr>
+        <p:spPr>
+          <a:xfrm flipH="1">
+            <a:off x="3658958" y="1801133"/>
+            <a:ext cx="4712615" cy="1664726"/>
+          </a:xfrm>
+          <a:prstGeom prst="line">
+            <a:avLst/>
+          </a:prstGeom>
+          <a:ln w="38100">
+            <a:solidFill>
+              <a:schemeClr val="accent4"/>
+            </a:solidFill>
+          </a:ln>
+        </p:spPr>
+        <p:style>
+          <a:lnRef idx="1">
+            <a:schemeClr val="accent1"/>
+          </a:lnRef>
+          <a:fillRef idx="0">
+            <a:schemeClr val="accent1"/>
+          </a:fillRef>
+          <a:effectRef idx="0">
+            <a:schemeClr val="accent1"/>
+          </a:effectRef>
+          <a:fontRef idx="minor">
+            <a:schemeClr val="tx1"/>
+          </a:fontRef>
+        </p:style>
+      </p:cxnSp>
+    </p:spTree>
+    <p:extLst>
+      <p:ext uri="{BB962C8B-B14F-4D97-AF65-F5344CB8AC3E}">
+        <p14:creationId xmlns:p14="http://schemas.microsoft.com/office/powerpoint/2010/main" val="3663614052"/>
+      </p:ext>
+    </p:extLst>
+  </p:cSld>
+  <p:clrMapOvr>
+    <a:masterClrMapping/>
+  </p:clrMapOvr>
+  <p:timing>
+    <p:tnLst>
+      <p:par>
+        <p:cTn id="1" dur="indefinite" restart="never" nodeType="tmRoot"/>
+      </p:par>
+    </p:tnLst>
+  </p:timing>
+</p:sld>
+</file>
+
+<file path=ppt/slides/slide5.xml><?xml version="1.0" encoding="utf-8"?>
+<p:sld xmlns:a="http://schemas.openxmlformats.org/drawingml/2006/main" xmlns:r="http://schemas.openxmlformats.org/officeDocument/2006/relationships" xmlns:p="http://schemas.openxmlformats.org/presentationml/2006/main">
+  <p:cSld>
+    <p:bg>
+      <p:bgPr>
+        <a:gradFill flip="none" rotWithShape="1">
+          <a:gsLst>
+            <a:gs pos="0">
+              <a:schemeClr val="bg1"/>
+            </a:gs>
+            <a:gs pos="98000">
+              <a:schemeClr val="tx1"/>
+            </a:gs>
+          </a:gsLst>
+          <a:path path="circle">
+            <a:fillToRect l="50000" t="130000" r="50000" b="-30000"/>
+          </a:path>
+          <a:tileRect/>
+        </a:gradFill>
+        <a:effectLst/>
+      </p:bgPr>
+    </p:bg>
+    <p:spTree>
+      <p:nvGrpSpPr>
+        <p:cNvPr id="1" name=""/>
+        <p:cNvGrpSpPr/>
+        <p:nvPr/>
+      </p:nvGrpSpPr>
+      <p:grpSpPr>
+        <a:xfrm>
+          <a:off x="0" y="0"/>
+          <a:ext cx="0" cy="0"/>
+          <a:chOff x="0" y="0"/>
+          <a:chExt cx="0" cy="0"/>
+        </a:xfrm>
+      </p:grpSpPr>
+      <p:sp>
+        <p:nvSpPr>
+          <p:cNvPr id="5" name="テキスト ボックス 4"/>
+          <p:cNvSpPr txBox="1"/>
+          <p:nvPr/>
+        </p:nvSpPr>
+        <p:spPr>
+          <a:xfrm>
+            <a:off x="778933" y="524933"/>
+            <a:ext cx="2540000" cy="461665"/>
+          </a:xfrm>
+          <a:prstGeom prst="rect">
+            <a:avLst/>
+          </a:prstGeom>
+          <a:noFill/>
+        </p:spPr>
+        <p:txBody>
+          <a:bodyPr wrap="square" rtlCol="0">
+            <a:spAutoFit/>
+          </a:bodyPr>
+          <a:lstStyle/>
+          <a:p>
+            <a:r>
+              <a:rPr kumimoji="1" lang="en-US" altLang="ja-JP" sz="2400" dirty="0" smtClean="0">
+                <a:solidFill>
+                  <a:schemeClr val="bg1"/>
+                </a:solidFill>
+                <a:effectLst>
+                  <a:glow rad="127000">
+                    <a:schemeClr val="tx1"/>
+                  </a:glow>
+                </a:effectLst>
+                <a:latin typeface="PixelMplus12" panose="020B0509020203020207" pitchFamily="49" charset="-128"/>
+                <a:ea typeface="PixelMplus12" panose="020B0509020203020207" pitchFamily="49" charset="-128"/>
+              </a:rPr>
+              <a:t>Tutorial</a:t>
+            </a:r>
+            <a:endParaRPr kumimoji="1" lang="ja-JP" altLang="en-US" sz="2400" dirty="0">
+              <a:solidFill>
+                <a:schemeClr val="bg1"/>
+              </a:solidFill>
+              <a:effectLst>
+                <a:glow rad="127000">
+                  <a:schemeClr val="tx1"/>
+                </a:glow>
+              </a:effectLst>
+              <a:latin typeface="PixelMplus12" panose="020B0509020203020207" pitchFamily="49" charset="-128"/>
+              <a:ea typeface="PixelMplus12" panose="020B0509020203020207" pitchFamily="49" charset="-128"/>
+            </a:endParaRPr>
+          </a:p>
+        </p:txBody>
+      </p:sp>
+      <p:sp>
+        <p:nvSpPr>
+          <p:cNvPr id="6" name="テキスト ボックス 5"/>
+          <p:cNvSpPr txBox="1"/>
+          <p:nvPr/>
+        </p:nvSpPr>
+        <p:spPr>
+          <a:xfrm>
+            <a:off x="10007600" y="6214533"/>
+            <a:ext cx="2184400" cy="461665"/>
+          </a:xfrm>
+          <a:prstGeom prst="rect">
+            <a:avLst/>
+          </a:prstGeom>
+          <a:noFill/>
+        </p:spPr>
+        <p:txBody>
+          <a:bodyPr wrap="square" rtlCol="0">
+            <a:spAutoFit/>
+          </a:bodyPr>
+          <a:lstStyle/>
+          <a:p>
+            <a:r>
+              <a:rPr kumimoji="1" lang="en-US" altLang="ja-JP" sz="2400" dirty="0" smtClean="0">
+                <a:solidFill>
+                  <a:schemeClr val="bg1"/>
+                </a:solidFill>
+                <a:effectLst>
+                  <a:glow rad="127000">
+                    <a:schemeClr val="tx1"/>
+                  </a:glow>
+                </a:effectLst>
+                <a:latin typeface="PixelMplus12" panose="020B0509020203020207" pitchFamily="49" charset="-128"/>
+                <a:ea typeface="PixelMplus12" panose="020B0509020203020207" pitchFamily="49" charset="-128"/>
+              </a:rPr>
+              <a:t>Enter</a:t>
+            </a:r>
+            <a:r>
+              <a:rPr lang="ja-JP" altLang="en-US" sz="2400" dirty="0">
+                <a:solidFill>
+                  <a:schemeClr val="bg1"/>
+                </a:solidFill>
+                <a:effectLst>
+                  <a:glow rad="127000">
+                    <a:schemeClr val="tx1"/>
+                  </a:glow>
+                </a:effectLst>
+                <a:latin typeface="PixelMplus12" panose="020B0509020203020207" pitchFamily="49" charset="-128"/>
+                <a:ea typeface="PixelMplus12" panose="020B0509020203020207" pitchFamily="49" charset="-128"/>
+              </a:rPr>
+              <a:t> </a:t>
+            </a:r>
+            <a:r>
+              <a:rPr kumimoji="1" lang="ja-JP" altLang="en-US" sz="2400" dirty="0" smtClean="0">
+                <a:solidFill>
+                  <a:schemeClr val="bg1"/>
+                </a:solidFill>
+                <a:effectLst>
+                  <a:glow rad="127000">
+                    <a:schemeClr val="tx1"/>
+                  </a:glow>
+                </a:effectLst>
+                <a:latin typeface="PixelMplus12" panose="020B0509020203020207" pitchFamily="49" charset="-128"/>
+                <a:ea typeface="PixelMplus12" panose="020B0509020203020207" pitchFamily="49" charset="-128"/>
+              </a:rPr>
+              <a:t>→</a:t>
+            </a:r>
+            <a:endParaRPr kumimoji="1" lang="ja-JP" altLang="en-US" sz="2400" dirty="0">
+              <a:solidFill>
+                <a:schemeClr val="bg1"/>
+              </a:solidFill>
+              <a:effectLst>
+                <a:glow rad="127000">
+                  <a:schemeClr val="tx1"/>
+                </a:glow>
+              </a:effectLst>
+              <a:latin typeface="PixelMplus12" panose="020B0509020203020207" pitchFamily="49" charset="-128"/>
+              <a:ea typeface="PixelMplus12" panose="020B0509020203020207" pitchFamily="49" charset="-128"/>
+            </a:endParaRPr>
+          </a:p>
+        </p:txBody>
+      </p:sp>
+      <p:pic>
+        <p:nvPicPr>
+          <p:cNvPr id="2" name="図 1"/>
+          <p:cNvPicPr>
+            <a:picLocks noChangeAspect="1"/>
+          </p:cNvPicPr>
+          <p:nvPr/>
+        </p:nvPicPr>
+        <p:blipFill>
+          <a:blip r:embed="rId2" cstate="print">
+            <a:extLst>
+              <a:ext uri="{28A0092B-C50C-407E-A947-70E740481C1C}">
+                <a14:useLocalDpi xmlns:a14="http://schemas.microsoft.com/office/drawing/2010/main" val="0"/>
+              </a:ext>
+            </a:extLst>
+          </a:blip>
+          <a:stretch>
+            <a:fillRect/>
+          </a:stretch>
+        </p:blipFill>
+        <p:spPr>
+          <a:xfrm>
+            <a:off x="4144578" y="524933"/>
+            <a:ext cx="7393809" cy="4159017"/>
+          </a:xfrm>
+          <a:prstGeom prst="rect">
+            <a:avLst/>
+          </a:prstGeom>
+        </p:spPr>
+      </p:pic>
+      <p:sp>
+        <p:nvSpPr>
+          <p:cNvPr id="3" name="テキスト ボックス 2"/>
+          <p:cNvSpPr txBox="1"/>
+          <p:nvPr/>
+        </p:nvSpPr>
+        <p:spPr>
+          <a:xfrm>
+            <a:off x="438908" y="1896198"/>
+            <a:ext cx="3220050" cy="4524315"/>
+          </a:xfrm>
+          <a:prstGeom prst="rect">
+            <a:avLst/>
+          </a:prstGeom>
+          <a:solidFill>
+            <a:schemeClr val="bg1"/>
+          </a:solidFill>
+        </p:spPr>
+        <p:txBody>
+          <a:bodyPr wrap="square" rtlCol="0">
+            <a:spAutoFit/>
+          </a:bodyPr>
+          <a:lstStyle/>
+          <a:p>
+            <a:endParaRPr lang="en-US" altLang="ja-JP" dirty="0"/>
+          </a:p>
+          <a:p>
+            <a:r>
+              <a:rPr lang="en-US" altLang="ja-JP" dirty="0" smtClean="0"/>
+              <a:t>Change</a:t>
+            </a:r>
+            <a:r>
+              <a:rPr lang="ja-JP" altLang="en-US" dirty="0" smtClean="0"/>
+              <a:t>について</a:t>
+            </a:r>
+            <a:endParaRPr lang="en-US" altLang="ja-JP" dirty="0" smtClean="0"/>
+          </a:p>
+          <a:p>
+            <a:endParaRPr lang="en-US" altLang="ja-JP" dirty="0" smtClean="0"/>
+          </a:p>
+          <a:p>
+            <a:r>
+              <a:rPr lang="ja-JP" altLang="en-US" dirty="0" smtClean="0"/>
+              <a:t>白の自機と黒の自機を使い分けて進みます。</a:t>
+            </a:r>
+            <a:endParaRPr lang="en-US" altLang="ja-JP" dirty="0" smtClean="0"/>
+          </a:p>
+          <a:p>
+            <a:endParaRPr lang="en-US" altLang="ja-JP" dirty="0" smtClean="0"/>
+          </a:p>
+          <a:p>
+            <a:r>
+              <a:rPr lang="ja-JP" altLang="en-US" dirty="0" smtClean="0"/>
+              <a:t>１、白の自機は白の弾を、黒の自機は黒の弾を発射します。</a:t>
+            </a:r>
+            <a:endParaRPr lang="en-US" altLang="ja-JP" dirty="0" smtClean="0"/>
+          </a:p>
+          <a:p>
+            <a:endParaRPr lang="en-US" altLang="ja-JP" dirty="0" smtClean="0"/>
+          </a:p>
+          <a:p>
+            <a:r>
+              <a:rPr lang="ja-JP" altLang="en-US" dirty="0" smtClean="0"/>
+              <a:t>２、敵を倒すには敵と異なる色の弾を当てる必要があります。</a:t>
+            </a:r>
+            <a:endParaRPr lang="en-US" altLang="ja-JP" dirty="0" smtClean="0"/>
+          </a:p>
+          <a:p>
+            <a:endParaRPr lang="en-US" altLang="ja-JP" dirty="0" smtClean="0"/>
+          </a:p>
+          <a:p>
+            <a:r>
+              <a:rPr lang="ja-JP" altLang="en-US" dirty="0" smtClean="0"/>
+              <a:t>３、敵の発射する弾と自機の色が同じ場合は被弾しません。</a:t>
+            </a:r>
+            <a:endParaRPr lang="en-US" altLang="ja-JP" dirty="0" smtClean="0"/>
+          </a:p>
+          <a:p>
+            <a:endParaRPr lang="en-US" altLang="ja-JP" dirty="0"/>
+          </a:p>
+        </p:txBody>
+      </p:sp>
+      <p:sp>
+        <p:nvSpPr>
+          <p:cNvPr id="8" name="楕円 7"/>
+          <p:cNvSpPr/>
+          <p:nvPr/>
+        </p:nvSpPr>
+        <p:spPr>
+          <a:xfrm>
+            <a:off x="9157009" y="3842535"/>
+            <a:ext cx="1949355" cy="996594"/>
+          </a:xfrm>
+          <a:prstGeom prst="ellipse">
+            <a:avLst/>
+          </a:prstGeom>
+          <a:noFill/>
+          <a:ln w="38100" cap="flat" cmpd="sng" algn="ctr">
+            <a:solidFill>
+              <a:schemeClr val="accent4"/>
+            </a:solidFill>
+            <a:prstDash val="solid"/>
+            <a:round/>
+            <a:headEnd type="none" w="med" len="med"/>
+            <a:tailEnd type="none" w="med" len="med"/>
+          </a:ln>
+        </p:spPr>
+        <p:style>
+          <a:lnRef idx="0">
+            <a:scrgbClr r="0" g="0" b="0"/>
+          </a:lnRef>
+          <a:fillRef idx="0">
+            <a:scrgbClr r="0" g="0" b="0"/>
+          </a:fillRef>
+          <a:effectRef idx="0">
+            <a:scrgbClr r="0" g="0" b="0"/>
+          </a:effectRef>
+          <a:fontRef idx="minor">
+            <a:schemeClr val="accent4"/>
+          </a:fontRef>
+        </p:style>
+        <p:txBody>
+          <a:bodyPr rtlCol="0" anchor="ctr"/>
+          <a:lstStyle/>
+          <a:p>
+            <a:pPr algn="ctr"/>
+            <a:endParaRPr kumimoji="1" lang="ja-JP" altLang="en-US"/>
+          </a:p>
+        </p:txBody>
+      </p:sp>
+      <p:cxnSp>
+        <p:nvCxnSpPr>
+          <p:cNvPr id="10" name="直線コネクタ 9"/>
+          <p:cNvCxnSpPr>
+            <a:stCxn id="8" idx="2"/>
+            <a:endCxn id="3" idx="3"/>
+          </p:cNvCxnSpPr>
+          <p:nvPr/>
+        </p:nvCxnSpPr>
+        <p:spPr>
+          <a:xfrm flipH="1" flipV="1">
+            <a:off x="3658958" y="4158356"/>
+            <a:ext cx="5498051" cy="182476"/>
+          </a:xfrm>
+          <a:prstGeom prst="line">
+            <a:avLst/>
+          </a:prstGeom>
+          <a:ln w="38100">
+            <a:solidFill>
+              <a:schemeClr val="accent4"/>
+            </a:solidFill>
+          </a:ln>
+        </p:spPr>
+        <p:style>
+          <a:lnRef idx="1">
+            <a:schemeClr val="accent1"/>
+          </a:lnRef>
+          <a:fillRef idx="0">
+            <a:schemeClr val="accent1"/>
+          </a:fillRef>
+          <a:effectRef idx="0">
+            <a:schemeClr val="accent1"/>
+          </a:effectRef>
+          <a:fontRef idx="minor">
+            <a:schemeClr val="tx1"/>
+          </a:fontRef>
+        </p:style>
+      </p:cxnSp>
+    </p:spTree>
+    <p:extLst>
+      <p:ext uri="{BB962C8B-B14F-4D97-AF65-F5344CB8AC3E}">
+        <p14:creationId xmlns:p14="http://schemas.microsoft.com/office/powerpoint/2010/main" val="3324010954"/>
+      </p:ext>
+    </p:extLst>
+  </p:cSld>
+  <p:clrMapOvr>
+    <a:masterClrMapping/>
+  </p:clrMapOvr>
+  <p:timing>
+    <p:tnLst>
+      <p:par>
+        <p:cTn id="1" dur="indefinite" restart="never" nodeType="tmRoot"/>
+      </p:par>
+    </p:tnLst>
+  </p:timing>
+</p:sld>
+</file>
+
+<file path=ppt/slides/slide6.xml><?xml version="1.0" encoding="utf-8"?>
+<p:sld xmlns:a="http://schemas.openxmlformats.org/drawingml/2006/main" xmlns:r="http://schemas.openxmlformats.org/officeDocument/2006/relationships" xmlns:p="http://schemas.openxmlformats.org/presentationml/2006/main">
+  <p:cSld>
+    <p:bg>
+      <p:bgPr>
+        <a:gradFill flip="none" rotWithShape="1">
+          <a:gsLst>
+            <a:gs pos="0">
+              <a:schemeClr val="bg1"/>
+            </a:gs>
+            <a:gs pos="98000">
+              <a:schemeClr val="tx1"/>
+            </a:gs>
+          </a:gsLst>
+          <a:path path="circle">
+            <a:fillToRect l="50000" t="130000" r="50000" b="-30000"/>
+          </a:path>
+          <a:tileRect/>
+        </a:gradFill>
+        <a:effectLst/>
+      </p:bgPr>
+    </p:bg>
+    <p:spTree>
+      <p:nvGrpSpPr>
+        <p:cNvPr id="1" name=""/>
+        <p:cNvGrpSpPr/>
+        <p:nvPr/>
+      </p:nvGrpSpPr>
+      <p:grpSpPr>
+        <a:xfrm>
+          <a:off x="0" y="0"/>
+          <a:ext cx="0" cy="0"/>
+          <a:chOff x="0" y="0"/>
+          <a:chExt cx="0" cy="0"/>
+        </a:xfrm>
+      </p:grpSpPr>
+      <p:sp>
+        <p:nvSpPr>
+          <p:cNvPr id="5" name="テキスト ボックス 4"/>
+          <p:cNvSpPr txBox="1"/>
+          <p:nvPr/>
+        </p:nvSpPr>
+        <p:spPr>
+          <a:xfrm>
+            <a:off x="778933" y="524933"/>
+            <a:ext cx="2540000" cy="461665"/>
+          </a:xfrm>
+          <a:prstGeom prst="rect">
+            <a:avLst/>
+          </a:prstGeom>
+          <a:noFill/>
+        </p:spPr>
+        <p:txBody>
+          <a:bodyPr wrap="square" rtlCol="0">
+            <a:spAutoFit/>
+          </a:bodyPr>
+          <a:lstStyle/>
+          <a:p>
+            <a:r>
+              <a:rPr kumimoji="1" lang="en-US" altLang="ja-JP" sz="2400" dirty="0" smtClean="0">
+                <a:solidFill>
+                  <a:schemeClr val="bg1"/>
+                </a:solidFill>
+                <a:effectLst>
+                  <a:glow rad="127000">
+                    <a:schemeClr val="tx1"/>
+                  </a:glow>
+                </a:effectLst>
+                <a:latin typeface="PixelMplus12" panose="020B0509020203020207" pitchFamily="49" charset="-128"/>
+                <a:ea typeface="PixelMplus12" panose="020B0509020203020207" pitchFamily="49" charset="-128"/>
+              </a:rPr>
+              <a:t>Score</a:t>
+            </a:r>
+            <a:endParaRPr kumimoji="1" lang="ja-JP" altLang="en-US" sz="2400" dirty="0">
+              <a:solidFill>
+                <a:schemeClr val="bg1"/>
+              </a:solidFill>
+              <a:effectLst>
+                <a:glow rad="127000">
+                  <a:schemeClr val="tx1"/>
+                </a:glow>
+              </a:effectLst>
+              <a:latin typeface="PixelMplus12" panose="020B0509020203020207" pitchFamily="49" charset="-128"/>
+              <a:ea typeface="PixelMplus12" panose="020B0509020203020207" pitchFamily="49" charset="-128"/>
+            </a:endParaRPr>
+          </a:p>
+        </p:txBody>
+      </p:sp>
+      <p:sp>
+        <p:nvSpPr>
+          <p:cNvPr id="6" name="テキスト ボックス 5"/>
+          <p:cNvSpPr txBox="1"/>
+          <p:nvPr/>
+        </p:nvSpPr>
+        <p:spPr>
+          <a:xfrm>
+            <a:off x="10007600" y="6214533"/>
+            <a:ext cx="2184400" cy="461665"/>
+          </a:xfrm>
+          <a:prstGeom prst="rect">
+            <a:avLst/>
+          </a:prstGeom>
+          <a:noFill/>
+        </p:spPr>
+        <p:txBody>
+          <a:bodyPr wrap="square" rtlCol="0">
+            <a:spAutoFit/>
+          </a:bodyPr>
+          <a:lstStyle/>
+          <a:p>
+            <a:r>
+              <a:rPr kumimoji="1" lang="en-US" altLang="ja-JP" sz="2400" dirty="0" smtClean="0">
+                <a:solidFill>
+                  <a:schemeClr val="bg1"/>
+                </a:solidFill>
+                <a:effectLst>
+                  <a:glow rad="127000">
+                    <a:schemeClr val="tx1"/>
+                  </a:glow>
+                </a:effectLst>
+                <a:latin typeface="PixelMplus12" panose="020B0509020203020207" pitchFamily="49" charset="-128"/>
+                <a:ea typeface="PixelMplus12" panose="020B0509020203020207" pitchFamily="49" charset="-128"/>
+              </a:rPr>
+              <a:t>Enter</a:t>
+            </a:r>
+            <a:r>
+              <a:rPr lang="ja-JP" altLang="en-US" sz="2400" dirty="0">
+                <a:solidFill>
+                  <a:schemeClr val="bg1"/>
+                </a:solidFill>
+                <a:effectLst>
+                  <a:glow rad="127000">
+                    <a:schemeClr val="tx1"/>
+                  </a:glow>
+                </a:effectLst>
+                <a:latin typeface="PixelMplus12" panose="020B0509020203020207" pitchFamily="49" charset="-128"/>
+                <a:ea typeface="PixelMplus12" panose="020B0509020203020207" pitchFamily="49" charset="-128"/>
+              </a:rPr>
+              <a:t> </a:t>
+            </a:r>
+            <a:r>
+              <a:rPr kumimoji="1" lang="ja-JP" altLang="en-US" sz="2400" dirty="0" smtClean="0">
+                <a:solidFill>
+                  <a:schemeClr val="bg1"/>
+                </a:solidFill>
+                <a:effectLst>
+                  <a:glow rad="127000">
+                    <a:schemeClr val="tx1"/>
+                  </a:glow>
+                </a:effectLst>
+                <a:latin typeface="PixelMplus12" panose="020B0509020203020207" pitchFamily="49" charset="-128"/>
+                <a:ea typeface="PixelMplus12" panose="020B0509020203020207" pitchFamily="49" charset="-128"/>
+              </a:rPr>
+              <a:t>→</a:t>
+            </a:r>
+            <a:endParaRPr kumimoji="1" lang="ja-JP" altLang="en-US" sz="2400" dirty="0">
+              <a:solidFill>
+                <a:schemeClr val="bg1"/>
+              </a:solidFill>
+              <a:effectLst>
+                <a:glow rad="127000">
+                  <a:schemeClr val="tx1"/>
+                </a:glow>
+              </a:effectLst>
+              <a:latin typeface="PixelMplus12" panose="020B0509020203020207" pitchFamily="49" charset="-128"/>
+              <a:ea typeface="PixelMplus12" panose="020B0509020203020207" pitchFamily="49" charset="-128"/>
+            </a:endParaRPr>
+          </a:p>
+        </p:txBody>
+      </p:sp>
       <p:sp>
         <p:nvSpPr>
           <p:cNvPr id="4" name="テキスト ボックス 3"/>
@@ -4390,7 +5532,44 @@
     </p:spTree>
     <p:extLst>
       <p:ext uri="{BB962C8B-B14F-4D97-AF65-F5344CB8AC3E}">
-        <p14:creationId xmlns:p14="http://schemas.microsoft.com/office/powerpoint/2010/main" val="2383653392"/>
+        <p14:creationId xmlns:p14="http://schemas.microsoft.com/office/powerpoint/2010/main" val="1365611237"/>
+      </p:ext>
+    </p:extLst>
+  </p:cSld>
+  <p:clrMapOvr>
+    <a:masterClrMapping/>
+  </p:clrMapOvr>
+  <p:timing>
+    <p:tnLst>
+      <p:par>
+        <p:cTn id="1" dur="indefinite" restart="never" nodeType="tmRoot"/>
+      </p:par>
+    </p:tnLst>
+  </p:timing>
+</p:sld>
+</file>
+
+<file path=ppt/slides/slide7.xml><?xml version="1.0" encoding="utf-8"?>
+<p:sld xmlns:a="http://schemas.openxmlformats.org/drawingml/2006/main" xmlns:r="http://schemas.openxmlformats.org/officeDocument/2006/relationships" xmlns:p="http://schemas.openxmlformats.org/presentationml/2006/main">
+  <p:cSld>
+    <p:spTree>
+      <p:nvGrpSpPr>
+        <p:cNvPr id="1" name=""/>
+        <p:cNvGrpSpPr/>
+        <p:nvPr/>
+      </p:nvGrpSpPr>
+      <p:grpSpPr>
+        <a:xfrm>
+          <a:off x="0" y="0"/>
+          <a:ext cx="0" cy="0"/>
+          <a:chOff x="0" y="0"/>
+          <a:chExt cx="0" cy="0"/>
+        </a:xfrm>
+      </p:grpSpPr>
+    </p:spTree>
+    <p:extLst>
+      <p:ext uri="{BB962C8B-B14F-4D97-AF65-F5344CB8AC3E}">
+        <p14:creationId xmlns:p14="http://schemas.microsoft.com/office/powerpoint/2010/main" val="3210299163"/>
       </p:ext>
     </p:extLst>
   </p:cSld>

--- a/main/Project1/Asset/Texture/cretate.pptx
+++ b/main/Project1/Asset/Texture/cretate.pptx
@@ -3779,7 +3779,7 @@
         </p:nvGrpSpPr>
         <p:grpSpPr>
           <a:xfrm>
-            <a:off x="1490133" y="922403"/>
+            <a:off x="2134560" y="732125"/>
             <a:ext cx="8229600" cy="4857929"/>
             <a:chOff x="1998133" y="312803"/>
             <a:chExt cx="8280400" cy="4857929"/>
